--- a/CSE-3216/slides/1. SDP Introduction - Strategy Pattern.pptx
+++ b/CSE-3216/slides/1. SDP Introduction - Strategy Pattern.pptx
@@ -5,7 +5,7 @@
     <p:sldMasterId id="2147483659" r:id="rId1"/>
   </p:sldMasterIdLst>
   <p:notesMasterIdLst>
-    <p:notesMasterId r:id="rId36"/>
+    <p:notesMasterId r:id="rId40"/>
   </p:notesMasterIdLst>
   <p:sldIdLst>
     <p:sldId id="256" r:id="rId2"/>
@@ -42,6 +42,10 @@
     <p:sldId id="287" r:id="rId33"/>
     <p:sldId id="288" r:id="rId34"/>
     <p:sldId id="289" r:id="rId35"/>
+    <p:sldId id="290" r:id="rId36"/>
+    <p:sldId id="291" r:id="rId37"/>
+    <p:sldId id="292" r:id="rId38"/>
+    <p:sldId id="293" r:id="rId39"/>
   </p:sldIdLst>
   <p:sldSz cx="9144000" cy="5143500" type="screen16x9"/>
   <p:notesSz cx="6858000" cy="9144000"/>
@@ -14903,6 +14907,1250 @@
 </p:sld>
 </file>
 
+<file path=ppt/slides/slide35.xml><?xml version="1.0" encoding="utf-8"?>
+<p:sld xmlns:a="http://schemas.openxmlformats.org/drawingml/2006/main" xmlns:r="http://schemas.openxmlformats.org/officeDocument/2006/relationships" xmlns:p="http://schemas.openxmlformats.org/presentationml/2006/main">
+  <p:cSld>
+    <p:spTree>
+      <p:nvGrpSpPr>
+        <p:cNvPr id="1" name=""/>
+        <p:cNvGrpSpPr/>
+        <p:nvPr/>
+      </p:nvGrpSpPr>
+      <p:grpSpPr>
+        <a:xfrm>
+          <a:off x="0" y="0"/>
+          <a:ext cx="0" cy="0"/>
+          <a:chOff x="0" y="0"/>
+          <a:chExt cx="0" cy="0"/>
+        </a:xfrm>
+      </p:grpSpPr>
+      <p:sp>
+        <p:nvSpPr>
+          <p:cNvPr id="3" name="Title 2">
+            <a:extLst>
+              <a:ext uri="{FF2B5EF4-FFF2-40B4-BE49-F238E27FC236}">
+                <a16:creationId xmlns:a16="http://schemas.microsoft.com/office/drawing/2014/main" id="{2A3B3546-FC82-758D-476A-091FAF97F4A4}"/>
+              </a:ext>
+            </a:extLst>
+          </p:cNvPr>
+          <p:cNvSpPr>
+            <a:spLocks noGrp="1"/>
+          </p:cNvSpPr>
+          <p:nvPr>
+            <p:ph type="title"/>
+          </p:nvPr>
+        </p:nvSpPr>
+        <p:spPr/>
+        <p:txBody>
+          <a:bodyPr/>
+          <a:lstStyle/>
+          <a:p>
+            <a:r>
+              <a:rPr lang="en-US" dirty="0"/>
+              <a:t>Design Pattern, Helps?</a:t>
+            </a:r>
+          </a:p>
+        </p:txBody>
+      </p:sp>
+      <p:sp>
+        <p:nvSpPr>
+          <p:cNvPr id="2" name="Slide Number Placeholder 1">
+            <a:extLst>
+              <a:ext uri="{FF2B5EF4-FFF2-40B4-BE49-F238E27FC236}">
+                <a16:creationId xmlns:a16="http://schemas.microsoft.com/office/drawing/2014/main" id="{4DDC693E-99C0-9FCA-94FE-ED16DB1997BA}"/>
+              </a:ext>
+            </a:extLst>
+          </p:cNvPr>
+          <p:cNvSpPr>
+            <a:spLocks noGrp="1"/>
+          </p:cNvSpPr>
+          <p:nvPr>
+            <p:ph type="sldNum" idx="12"/>
+          </p:nvPr>
+        </p:nvSpPr>
+        <p:spPr/>
+        <p:txBody>
+          <a:bodyPr/>
+          <a:lstStyle/>
+          <a:p>
+            <a:pPr marL="0" lvl="0" indent="0" algn="r" rtl="0">
+              <a:spcBef>
+                <a:spcPts val="0"/>
+              </a:spcBef>
+              <a:spcAft>
+                <a:spcPts val="0"/>
+              </a:spcAft>
+              <a:buNone/>
+            </a:pPr>
+            <a:fld id="{00000000-1234-1234-1234-123412341234}" type="slidenum">
+              <a:rPr lang="en" smtClean="0"/>
+              <a:t>35</a:t>
+            </a:fld>
+            <a:endParaRPr lang="en"/>
+          </a:p>
+        </p:txBody>
+      </p:sp>
+    </p:spTree>
+    <p:extLst>
+      <p:ext uri="{BB962C8B-B14F-4D97-AF65-F5344CB8AC3E}">
+        <p14:creationId xmlns:p14="http://schemas.microsoft.com/office/powerpoint/2010/main" val="2170103222"/>
+      </p:ext>
+    </p:extLst>
+  </p:cSld>
+  <p:clrMapOvr>
+    <a:masterClrMapping/>
+  </p:clrMapOvr>
+</p:sld>
+</file>
+
+<file path=ppt/slides/slide36.xml><?xml version="1.0" encoding="utf-8"?>
+<p:sld xmlns:a="http://schemas.openxmlformats.org/drawingml/2006/main" xmlns:r="http://schemas.openxmlformats.org/officeDocument/2006/relationships" xmlns:p="http://schemas.openxmlformats.org/presentationml/2006/main">
+  <p:cSld>
+    <p:spTree>
+      <p:nvGrpSpPr>
+        <p:cNvPr id="1" name=""/>
+        <p:cNvGrpSpPr/>
+        <p:nvPr/>
+      </p:nvGrpSpPr>
+      <p:grpSpPr>
+        <a:xfrm>
+          <a:off x="0" y="0"/>
+          <a:ext cx="0" cy="0"/>
+          <a:chOff x="0" y="0"/>
+          <a:chExt cx="0" cy="0"/>
+        </a:xfrm>
+      </p:grpSpPr>
+      <p:sp>
+        <p:nvSpPr>
+          <p:cNvPr id="4" name="Title 3">
+            <a:extLst>
+              <a:ext uri="{FF2B5EF4-FFF2-40B4-BE49-F238E27FC236}">
+                <a16:creationId xmlns:a16="http://schemas.microsoft.com/office/drawing/2014/main" id="{AA9D23DF-33E1-3121-3B3C-B27A70A7A826}"/>
+              </a:ext>
+            </a:extLst>
+          </p:cNvPr>
+          <p:cNvSpPr>
+            <a:spLocks noGrp="1"/>
+          </p:cNvSpPr>
+          <p:nvPr>
+            <p:ph type="title"/>
+          </p:nvPr>
+        </p:nvSpPr>
+        <p:spPr>
+          <a:xfrm>
+            <a:off x="311700" y="182755"/>
+            <a:ext cx="8520600" cy="572700"/>
+          </a:xfrm>
+        </p:spPr>
+        <p:txBody>
+          <a:bodyPr>
+            <a:normAutofit fontScale="90000"/>
+          </a:bodyPr>
+          <a:lstStyle/>
+          <a:p>
+            <a:r>
+              <a:rPr lang="en-US" dirty="0"/>
+              <a:t>Let’s say we are going to build a gateway for E-Commerce</a:t>
+            </a:r>
+          </a:p>
+        </p:txBody>
+      </p:sp>
+      <p:sp>
+        <p:nvSpPr>
+          <p:cNvPr id="5" name="Text Placeholder 4">
+            <a:extLst>
+              <a:ext uri="{FF2B5EF4-FFF2-40B4-BE49-F238E27FC236}">
+                <a16:creationId xmlns:a16="http://schemas.microsoft.com/office/drawing/2014/main" id="{B6080E43-D944-7772-1C08-CDCC424BD906}"/>
+              </a:ext>
+            </a:extLst>
+          </p:cNvPr>
+          <p:cNvSpPr>
+            <a:spLocks noGrp="1"/>
+          </p:cNvSpPr>
+          <p:nvPr>
+            <p:ph type="body" idx="1"/>
+          </p:nvPr>
+        </p:nvSpPr>
+        <p:spPr/>
+        <p:txBody>
+          <a:bodyPr/>
+          <a:lstStyle/>
+          <a:p>
+            <a:r>
+              <a:rPr lang="en-US" dirty="0"/>
+              <a:t>What are the challenges: </a:t>
+            </a:r>
+          </a:p>
+          <a:p>
+            <a:pPr marL="114300" indent="0">
+              <a:buNone/>
+            </a:pPr>
+            <a:endParaRPr lang="en-US" dirty="0"/>
+          </a:p>
+        </p:txBody>
+      </p:sp>
+      <p:sp>
+        <p:nvSpPr>
+          <p:cNvPr id="3" name="Slide Number Placeholder 2">
+            <a:extLst>
+              <a:ext uri="{FF2B5EF4-FFF2-40B4-BE49-F238E27FC236}">
+                <a16:creationId xmlns:a16="http://schemas.microsoft.com/office/drawing/2014/main" id="{B777B547-A3F8-57C6-D22E-6A806D634C55}"/>
+              </a:ext>
+            </a:extLst>
+          </p:cNvPr>
+          <p:cNvSpPr>
+            <a:spLocks noGrp="1"/>
+          </p:cNvSpPr>
+          <p:nvPr>
+            <p:ph type="sldNum" idx="12"/>
+          </p:nvPr>
+        </p:nvSpPr>
+        <p:spPr/>
+        <p:txBody>
+          <a:bodyPr/>
+          <a:lstStyle/>
+          <a:p>
+            <a:pPr marL="0" lvl="0" indent="0" algn="r" rtl="0">
+              <a:spcBef>
+                <a:spcPts val="0"/>
+              </a:spcBef>
+              <a:spcAft>
+                <a:spcPts val="0"/>
+              </a:spcAft>
+              <a:buNone/>
+            </a:pPr>
+            <a:fld id="{00000000-1234-1234-1234-123412341234}" type="slidenum">
+              <a:rPr lang="en" smtClean="0"/>
+              <a:t>36</a:t>
+            </a:fld>
+            <a:endParaRPr lang="en"/>
+          </a:p>
+        </p:txBody>
+      </p:sp>
+      <p:sp>
+        <p:nvSpPr>
+          <p:cNvPr id="6" name="Oval 5">
+            <a:extLst>
+              <a:ext uri="{FF2B5EF4-FFF2-40B4-BE49-F238E27FC236}">
+                <a16:creationId xmlns:a16="http://schemas.microsoft.com/office/drawing/2014/main" id="{BA5221B5-2EDB-437F-72D1-21449A4DF482}"/>
+              </a:ext>
+            </a:extLst>
+          </p:cNvPr>
+          <p:cNvSpPr/>
+          <p:nvPr/>
+        </p:nvSpPr>
+        <p:spPr>
+          <a:xfrm>
+            <a:off x="4203405" y="755455"/>
+            <a:ext cx="2218660" cy="1134140"/>
+          </a:xfrm>
+          <a:prstGeom prst="ellipse">
+            <a:avLst/>
+          </a:prstGeom>
+        </p:spPr>
+        <p:style>
+          <a:lnRef idx="2">
+            <a:schemeClr val="accent1">
+              <a:shade val="15000"/>
+            </a:schemeClr>
+          </a:lnRef>
+          <a:fillRef idx="1">
+            <a:schemeClr val="accent1"/>
+          </a:fillRef>
+          <a:effectRef idx="0">
+            <a:schemeClr val="accent1"/>
+          </a:effectRef>
+          <a:fontRef idx="minor">
+            <a:schemeClr val="lt1"/>
+          </a:fontRef>
+        </p:style>
+        <p:txBody>
+          <a:bodyPr rtlCol="0" anchor="ctr"/>
+          <a:lstStyle/>
+          <a:p>
+            <a:pPr algn="ctr"/>
+            <a:r>
+              <a:rPr lang="en-US" dirty="0">
+                <a:latin typeface="Comic Sans MS" panose="030F0702030302020204" pitchFamily="66" charset="0"/>
+              </a:rPr>
+              <a:t>Multiple Gateways</a:t>
+            </a:r>
+          </a:p>
+        </p:txBody>
+      </p:sp>
+      <p:sp>
+        <p:nvSpPr>
+          <p:cNvPr id="7" name="Oval 6">
+            <a:extLst>
+              <a:ext uri="{FF2B5EF4-FFF2-40B4-BE49-F238E27FC236}">
+                <a16:creationId xmlns:a16="http://schemas.microsoft.com/office/drawing/2014/main" id="{AAE9BD97-1F1F-7B42-61AE-D1FF0BE309CA}"/>
+              </a:ext>
+            </a:extLst>
+          </p:cNvPr>
+          <p:cNvSpPr/>
+          <p:nvPr/>
+        </p:nvSpPr>
+        <p:spPr>
+          <a:xfrm>
+            <a:off x="2647508" y="2004680"/>
+            <a:ext cx="1286539" cy="1134140"/>
+          </a:xfrm>
+          <a:prstGeom prst="ellipse">
+            <a:avLst/>
+          </a:prstGeom>
+        </p:spPr>
+        <p:style>
+          <a:lnRef idx="2">
+            <a:schemeClr val="accent1">
+              <a:shade val="15000"/>
+            </a:schemeClr>
+          </a:lnRef>
+          <a:fillRef idx="1">
+            <a:schemeClr val="accent1"/>
+          </a:fillRef>
+          <a:effectRef idx="0">
+            <a:schemeClr val="accent1"/>
+          </a:effectRef>
+          <a:fontRef idx="minor">
+            <a:schemeClr val="lt1"/>
+          </a:fontRef>
+        </p:style>
+        <p:txBody>
+          <a:bodyPr rtlCol="0" anchor="ctr"/>
+          <a:lstStyle/>
+          <a:p>
+            <a:pPr algn="ctr"/>
+            <a:r>
+              <a:rPr lang="en-US" dirty="0">
+                <a:latin typeface="Comic Sans MS" panose="030F0702030302020204" pitchFamily="66" charset="0"/>
+              </a:rPr>
+              <a:t>CARDs</a:t>
+            </a:r>
+          </a:p>
+        </p:txBody>
+      </p:sp>
+      <p:sp>
+        <p:nvSpPr>
+          <p:cNvPr id="8" name="Oval 7">
+            <a:extLst>
+              <a:ext uri="{FF2B5EF4-FFF2-40B4-BE49-F238E27FC236}">
+                <a16:creationId xmlns:a16="http://schemas.microsoft.com/office/drawing/2014/main" id="{E4B406E6-D3B3-070F-EFBE-A56E34B778BE}"/>
+              </a:ext>
+            </a:extLst>
+          </p:cNvPr>
+          <p:cNvSpPr/>
+          <p:nvPr/>
+        </p:nvSpPr>
+        <p:spPr>
+          <a:xfrm>
+            <a:off x="4572000" y="2004680"/>
+            <a:ext cx="2218660" cy="1134140"/>
+          </a:xfrm>
+          <a:prstGeom prst="ellipse">
+            <a:avLst/>
+          </a:prstGeom>
+        </p:spPr>
+        <p:style>
+          <a:lnRef idx="2">
+            <a:schemeClr val="accent1">
+              <a:shade val="15000"/>
+            </a:schemeClr>
+          </a:lnRef>
+          <a:fillRef idx="1">
+            <a:schemeClr val="accent1"/>
+          </a:fillRef>
+          <a:effectRef idx="0">
+            <a:schemeClr val="accent1"/>
+          </a:effectRef>
+          <a:fontRef idx="minor">
+            <a:schemeClr val="lt1"/>
+          </a:fontRef>
+        </p:style>
+        <p:txBody>
+          <a:bodyPr rtlCol="0" anchor="ctr"/>
+          <a:lstStyle/>
+          <a:p>
+            <a:pPr algn="ctr"/>
+            <a:r>
+              <a:rPr lang="en-US" dirty="0">
+                <a:latin typeface="Comic Sans MS" panose="030F0702030302020204" pitchFamily="66" charset="0"/>
+              </a:rPr>
+              <a:t>Mobile Banking</a:t>
+            </a:r>
+          </a:p>
+        </p:txBody>
+      </p:sp>
+      <p:sp>
+        <p:nvSpPr>
+          <p:cNvPr id="9" name="Oval 8">
+            <a:extLst>
+              <a:ext uri="{FF2B5EF4-FFF2-40B4-BE49-F238E27FC236}">
+                <a16:creationId xmlns:a16="http://schemas.microsoft.com/office/drawing/2014/main" id="{B5AED8ED-D60D-65CE-2DA9-034068CDD5B6}"/>
+              </a:ext>
+            </a:extLst>
+          </p:cNvPr>
+          <p:cNvSpPr/>
+          <p:nvPr/>
+        </p:nvSpPr>
+        <p:spPr>
+          <a:xfrm>
+            <a:off x="1031030" y="2394937"/>
+            <a:ext cx="1201667" cy="1134140"/>
+          </a:xfrm>
+          <a:prstGeom prst="ellipse">
+            <a:avLst/>
+          </a:prstGeom>
+        </p:spPr>
+        <p:style>
+          <a:lnRef idx="2">
+            <a:schemeClr val="accent1">
+              <a:shade val="15000"/>
+            </a:schemeClr>
+          </a:lnRef>
+          <a:fillRef idx="1">
+            <a:schemeClr val="accent1"/>
+          </a:fillRef>
+          <a:effectRef idx="0">
+            <a:schemeClr val="accent1"/>
+          </a:effectRef>
+          <a:fontRef idx="minor">
+            <a:schemeClr val="lt1"/>
+          </a:fontRef>
+        </p:style>
+        <p:txBody>
+          <a:bodyPr rtlCol="0" anchor="ctr"/>
+          <a:lstStyle/>
+          <a:p>
+            <a:pPr algn="ctr"/>
+            <a:r>
+              <a:rPr lang="en-US" dirty="0">
+                <a:latin typeface="Comic Sans MS" panose="030F0702030302020204" pitchFamily="66" charset="0"/>
+              </a:rPr>
+              <a:t>Credit Card</a:t>
+            </a:r>
+          </a:p>
+        </p:txBody>
+      </p:sp>
+      <p:sp>
+        <p:nvSpPr>
+          <p:cNvPr id="10" name="Oval 9">
+            <a:extLst>
+              <a:ext uri="{FF2B5EF4-FFF2-40B4-BE49-F238E27FC236}">
+                <a16:creationId xmlns:a16="http://schemas.microsoft.com/office/drawing/2014/main" id="{68823BDF-949F-6167-E02E-9ED79262E449}"/>
+              </a:ext>
+            </a:extLst>
+          </p:cNvPr>
+          <p:cNvSpPr/>
+          <p:nvPr/>
+        </p:nvSpPr>
+        <p:spPr>
+          <a:xfrm>
+            <a:off x="2328531" y="3529077"/>
+            <a:ext cx="1201667" cy="1134140"/>
+          </a:xfrm>
+          <a:prstGeom prst="ellipse">
+            <a:avLst/>
+          </a:prstGeom>
+        </p:spPr>
+        <p:style>
+          <a:lnRef idx="2">
+            <a:schemeClr val="accent1">
+              <a:shade val="15000"/>
+            </a:schemeClr>
+          </a:lnRef>
+          <a:fillRef idx="1">
+            <a:schemeClr val="accent1"/>
+          </a:fillRef>
+          <a:effectRef idx="0">
+            <a:schemeClr val="accent1"/>
+          </a:effectRef>
+          <a:fontRef idx="minor">
+            <a:schemeClr val="lt1"/>
+          </a:fontRef>
+        </p:style>
+        <p:txBody>
+          <a:bodyPr rtlCol="0" anchor="ctr"/>
+          <a:lstStyle/>
+          <a:p>
+            <a:pPr algn="ctr"/>
+            <a:r>
+              <a:rPr lang="en-US" dirty="0">
+                <a:latin typeface="Comic Sans MS" panose="030F0702030302020204" pitchFamily="66" charset="0"/>
+              </a:rPr>
+              <a:t>Debit Card</a:t>
+            </a:r>
+          </a:p>
+        </p:txBody>
+      </p:sp>
+      <p:sp>
+        <p:nvSpPr>
+          <p:cNvPr id="11" name="Oval 10">
+            <a:extLst>
+              <a:ext uri="{FF2B5EF4-FFF2-40B4-BE49-F238E27FC236}">
+                <a16:creationId xmlns:a16="http://schemas.microsoft.com/office/drawing/2014/main" id="{640E7197-3A81-2363-1A24-578D7CBBF249}"/>
+              </a:ext>
+            </a:extLst>
+          </p:cNvPr>
+          <p:cNvSpPr/>
+          <p:nvPr/>
+        </p:nvSpPr>
+        <p:spPr>
+          <a:xfrm>
+            <a:off x="4398336" y="3340838"/>
+            <a:ext cx="1272362" cy="1134140"/>
+          </a:xfrm>
+          <a:prstGeom prst="ellipse">
+            <a:avLst/>
+          </a:prstGeom>
+        </p:spPr>
+        <p:style>
+          <a:lnRef idx="2">
+            <a:schemeClr val="accent1">
+              <a:shade val="15000"/>
+            </a:schemeClr>
+          </a:lnRef>
+          <a:fillRef idx="1">
+            <a:schemeClr val="accent1"/>
+          </a:fillRef>
+          <a:effectRef idx="0">
+            <a:schemeClr val="accent1"/>
+          </a:effectRef>
+          <a:fontRef idx="minor">
+            <a:schemeClr val="lt1"/>
+          </a:fontRef>
+        </p:style>
+        <p:txBody>
+          <a:bodyPr rtlCol="0" anchor="ctr"/>
+          <a:lstStyle/>
+          <a:p>
+            <a:pPr algn="ctr"/>
+            <a:r>
+              <a:rPr lang="en-US" dirty="0" err="1">
+                <a:latin typeface="Comic Sans MS" panose="030F0702030302020204" pitchFamily="66" charset="0"/>
+              </a:rPr>
+              <a:t>BKash</a:t>
+            </a:r>
+            <a:endParaRPr lang="en-US" dirty="0">
+              <a:latin typeface="Comic Sans MS" panose="030F0702030302020204" pitchFamily="66" charset="0"/>
+            </a:endParaRPr>
+          </a:p>
+        </p:txBody>
+      </p:sp>
+      <p:sp>
+        <p:nvSpPr>
+          <p:cNvPr id="12" name="Oval 11">
+            <a:extLst>
+              <a:ext uri="{FF2B5EF4-FFF2-40B4-BE49-F238E27FC236}">
+                <a16:creationId xmlns:a16="http://schemas.microsoft.com/office/drawing/2014/main" id="{A0391686-6299-F044-4981-94D7C1E00464}"/>
+              </a:ext>
+            </a:extLst>
+          </p:cNvPr>
+          <p:cNvSpPr/>
+          <p:nvPr/>
+        </p:nvSpPr>
+        <p:spPr>
+          <a:xfrm>
+            <a:off x="5862365" y="3340838"/>
+            <a:ext cx="1389133" cy="1134140"/>
+          </a:xfrm>
+          <a:prstGeom prst="ellipse">
+            <a:avLst/>
+          </a:prstGeom>
+        </p:spPr>
+        <p:style>
+          <a:lnRef idx="2">
+            <a:schemeClr val="accent1">
+              <a:shade val="15000"/>
+            </a:schemeClr>
+          </a:lnRef>
+          <a:fillRef idx="1">
+            <a:schemeClr val="accent1"/>
+          </a:fillRef>
+          <a:effectRef idx="0">
+            <a:schemeClr val="accent1"/>
+          </a:effectRef>
+          <a:fontRef idx="minor">
+            <a:schemeClr val="lt1"/>
+          </a:fontRef>
+        </p:style>
+        <p:txBody>
+          <a:bodyPr rtlCol="0" anchor="ctr"/>
+          <a:lstStyle/>
+          <a:p>
+            <a:pPr algn="ctr"/>
+            <a:r>
+              <a:rPr lang="en-US" dirty="0" err="1">
+                <a:latin typeface="Comic Sans MS" panose="030F0702030302020204" pitchFamily="66" charset="0"/>
+              </a:rPr>
+              <a:t>Nagad</a:t>
+            </a:r>
+            <a:endParaRPr lang="en-US" dirty="0">
+              <a:latin typeface="Comic Sans MS" panose="030F0702030302020204" pitchFamily="66" charset="0"/>
+            </a:endParaRPr>
+          </a:p>
+        </p:txBody>
+      </p:sp>
+      <p:cxnSp>
+        <p:nvCxnSpPr>
+          <p:cNvPr id="14" name="Straight Arrow Connector 13">
+            <a:extLst>
+              <a:ext uri="{FF2B5EF4-FFF2-40B4-BE49-F238E27FC236}">
+                <a16:creationId xmlns:a16="http://schemas.microsoft.com/office/drawing/2014/main" id="{5D02ACD1-E2AD-E9E3-7514-AFFB6397D828}"/>
+              </a:ext>
+            </a:extLst>
+          </p:cNvPr>
+          <p:cNvCxnSpPr>
+            <a:stCxn id="6" idx="3"/>
+            <a:endCxn id="7" idx="7"/>
+          </p:cNvCxnSpPr>
+          <p:nvPr/>
+        </p:nvCxnSpPr>
+        <p:spPr>
+          <a:xfrm flipH="1">
+            <a:off x="3745638" y="1723504"/>
+            <a:ext cx="782682" cy="447267"/>
+          </a:xfrm>
+          <a:prstGeom prst="straightConnector1">
+            <a:avLst/>
+          </a:prstGeom>
+          <a:ln>
+            <a:tailEnd type="triangle"/>
+          </a:ln>
+        </p:spPr>
+        <p:style>
+          <a:lnRef idx="1">
+            <a:schemeClr val="accent1"/>
+          </a:lnRef>
+          <a:fillRef idx="0">
+            <a:schemeClr val="accent1"/>
+          </a:fillRef>
+          <a:effectRef idx="0">
+            <a:schemeClr val="accent1"/>
+          </a:effectRef>
+          <a:fontRef idx="minor">
+            <a:schemeClr val="tx1"/>
+          </a:fontRef>
+        </p:style>
+      </p:cxnSp>
+      <p:cxnSp>
+        <p:nvCxnSpPr>
+          <p:cNvPr id="17" name="Connector: Curved 16">
+            <a:extLst>
+              <a:ext uri="{FF2B5EF4-FFF2-40B4-BE49-F238E27FC236}">
+                <a16:creationId xmlns:a16="http://schemas.microsoft.com/office/drawing/2014/main" id="{214B0790-270F-E42E-C689-E760C065107D}"/>
+              </a:ext>
+            </a:extLst>
+          </p:cNvPr>
+          <p:cNvCxnSpPr>
+            <a:stCxn id="6" idx="6"/>
+            <a:endCxn id="8" idx="7"/>
+          </p:cNvCxnSpPr>
+          <p:nvPr/>
+        </p:nvCxnSpPr>
+        <p:spPr>
+          <a:xfrm>
+            <a:off x="6422065" y="1322525"/>
+            <a:ext cx="43680" cy="848246"/>
+          </a:xfrm>
+          <a:prstGeom prst="curvedConnector2">
+            <a:avLst/>
+          </a:prstGeom>
+          <a:ln>
+            <a:tailEnd type="triangle"/>
+          </a:ln>
+        </p:spPr>
+        <p:style>
+          <a:lnRef idx="1">
+            <a:schemeClr val="accent1"/>
+          </a:lnRef>
+          <a:fillRef idx="0">
+            <a:schemeClr val="accent1"/>
+          </a:fillRef>
+          <a:effectRef idx="0">
+            <a:schemeClr val="accent1"/>
+          </a:effectRef>
+          <a:fontRef idx="minor">
+            <a:schemeClr val="tx1"/>
+          </a:fontRef>
+        </p:style>
+      </p:cxnSp>
+      <p:cxnSp>
+        <p:nvCxnSpPr>
+          <p:cNvPr id="19" name="Straight Arrow Connector 18">
+            <a:extLst>
+              <a:ext uri="{FF2B5EF4-FFF2-40B4-BE49-F238E27FC236}">
+                <a16:creationId xmlns:a16="http://schemas.microsoft.com/office/drawing/2014/main" id="{B2B77E60-3CE7-C388-687C-E92B82DCB076}"/>
+              </a:ext>
+            </a:extLst>
+          </p:cNvPr>
+          <p:cNvCxnSpPr>
+            <a:stCxn id="7" idx="3"/>
+            <a:endCxn id="9" idx="6"/>
+          </p:cNvCxnSpPr>
+          <p:nvPr/>
+        </p:nvCxnSpPr>
+        <p:spPr>
+          <a:xfrm flipH="1" flipV="1">
+            <a:off x="2232697" y="2962007"/>
+            <a:ext cx="603220" cy="10722"/>
+          </a:xfrm>
+          <a:prstGeom prst="straightConnector1">
+            <a:avLst/>
+          </a:prstGeom>
+          <a:ln>
+            <a:tailEnd type="triangle"/>
+          </a:ln>
+        </p:spPr>
+        <p:style>
+          <a:lnRef idx="1">
+            <a:schemeClr val="accent1"/>
+          </a:lnRef>
+          <a:fillRef idx="0">
+            <a:schemeClr val="accent1"/>
+          </a:fillRef>
+          <a:effectRef idx="0">
+            <a:schemeClr val="accent1"/>
+          </a:effectRef>
+          <a:fontRef idx="minor">
+            <a:schemeClr val="tx1"/>
+          </a:fontRef>
+        </p:style>
+      </p:cxnSp>
+      <p:cxnSp>
+        <p:nvCxnSpPr>
+          <p:cNvPr id="21" name="Straight Arrow Connector 20">
+            <a:extLst>
+              <a:ext uri="{FF2B5EF4-FFF2-40B4-BE49-F238E27FC236}">
+                <a16:creationId xmlns:a16="http://schemas.microsoft.com/office/drawing/2014/main" id="{7101FD6F-43C2-EC09-4847-6DB4221D3FF7}"/>
+              </a:ext>
+            </a:extLst>
+          </p:cNvPr>
+          <p:cNvCxnSpPr>
+            <a:stCxn id="7" idx="3"/>
+            <a:endCxn id="10" idx="0"/>
+          </p:cNvCxnSpPr>
+          <p:nvPr/>
+        </p:nvCxnSpPr>
+        <p:spPr>
+          <a:xfrm>
+            <a:off x="2835917" y="2972729"/>
+            <a:ext cx="93448" cy="556348"/>
+          </a:xfrm>
+          <a:prstGeom prst="straightConnector1">
+            <a:avLst/>
+          </a:prstGeom>
+          <a:ln>
+            <a:tailEnd type="triangle"/>
+          </a:ln>
+        </p:spPr>
+        <p:style>
+          <a:lnRef idx="1">
+            <a:schemeClr val="accent1"/>
+          </a:lnRef>
+          <a:fillRef idx="0">
+            <a:schemeClr val="accent1"/>
+          </a:fillRef>
+          <a:effectRef idx="0">
+            <a:schemeClr val="accent1"/>
+          </a:effectRef>
+          <a:fontRef idx="minor">
+            <a:schemeClr val="tx1"/>
+          </a:fontRef>
+        </p:style>
+      </p:cxnSp>
+      <p:cxnSp>
+        <p:nvCxnSpPr>
+          <p:cNvPr id="23" name="Straight Arrow Connector 22">
+            <a:extLst>
+              <a:ext uri="{FF2B5EF4-FFF2-40B4-BE49-F238E27FC236}">
+                <a16:creationId xmlns:a16="http://schemas.microsoft.com/office/drawing/2014/main" id="{99D90C3C-5EBD-BB11-EBFF-B7AA8D4600F6}"/>
+              </a:ext>
+            </a:extLst>
+          </p:cNvPr>
+          <p:cNvCxnSpPr>
+            <a:stCxn id="8" idx="4"/>
+            <a:endCxn id="11" idx="7"/>
+          </p:cNvCxnSpPr>
+          <p:nvPr/>
+        </p:nvCxnSpPr>
+        <p:spPr>
+          <a:xfrm flipH="1">
+            <a:off x="5484365" y="3138820"/>
+            <a:ext cx="196965" cy="368109"/>
+          </a:xfrm>
+          <a:prstGeom prst="straightConnector1">
+            <a:avLst/>
+          </a:prstGeom>
+          <a:ln>
+            <a:tailEnd type="triangle"/>
+          </a:ln>
+        </p:spPr>
+        <p:style>
+          <a:lnRef idx="1">
+            <a:schemeClr val="accent1"/>
+          </a:lnRef>
+          <a:fillRef idx="0">
+            <a:schemeClr val="accent1"/>
+          </a:fillRef>
+          <a:effectRef idx="0">
+            <a:schemeClr val="accent1"/>
+          </a:effectRef>
+          <a:fontRef idx="minor">
+            <a:schemeClr val="tx1"/>
+          </a:fontRef>
+        </p:style>
+      </p:cxnSp>
+      <p:cxnSp>
+        <p:nvCxnSpPr>
+          <p:cNvPr id="25" name="Straight Arrow Connector 24">
+            <a:extLst>
+              <a:ext uri="{FF2B5EF4-FFF2-40B4-BE49-F238E27FC236}">
+                <a16:creationId xmlns:a16="http://schemas.microsoft.com/office/drawing/2014/main" id="{BF51E700-1002-1FBE-61DD-F65C3FCAA4B9}"/>
+              </a:ext>
+            </a:extLst>
+          </p:cNvPr>
+          <p:cNvCxnSpPr>
+            <a:stCxn id="8" idx="4"/>
+            <a:endCxn id="12" idx="1"/>
+          </p:cNvCxnSpPr>
+          <p:nvPr/>
+        </p:nvCxnSpPr>
+        <p:spPr>
+          <a:xfrm>
+            <a:off x="5681330" y="3138820"/>
+            <a:ext cx="384469" cy="368109"/>
+          </a:xfrm>
+          <a:prstGeom prst="straightConnector1">
+            <a:avLst/>
+          </a:prstGeom>
+          <a:ln>
+            <a:tailEnd type="triangle"/>
+          </a:ln>
+        </p:spPr>
+        <p:style>
+          <a:lnRef idx="1">
+            <a:schemeClr val="accent1"/>
+          </a:lnRef>
+          <a:fillRef idx="0">
+            <a:schemeClr val="accent1"/>
+          </a:fillRef>
+          <a:effectRef idx="0">
+            <a:schemeClr val="accent1"/>
+          </a:effectRef>
+          <a:fontRef idx="minor">
+            <a:schemeClr val="tx1"/>
+          </a:fontRef>
+        </p:style>
+      </p:cxnSp>
+      <p:sp>
+        <p:nvSpPr>
+          <p:cNvPr id="26" name="TextBox 25">
+            <a:extLst>
+              <a:ext uri="{FF2B5EF4-FFF2-40B4-BE49-F238E27FC236}">
+                <a16:creationId xmlns:a16="http://schemas.microsoft.com/office/drawing/2014/main" id="{520DC53F-17E9-7BF2-A721-BC39741679FA}"/>
+              </a:ext>
+            </a:extLst>
+          </p:cNvPr>
+          <p:cNvSpPr txBox="1"/>
+          <p:nvPr/>
+        </p:nvSpPr>
+        <p:spPr>
+          <a:xfrm>
+            <a:off x="6834340" y="884663"/>
+            <a:ext cx="1871970" cy="1815882"/>
+          </a:xfrm>
+          <a:prstGeom prst="rect">
+            <a:avLst/>
+          </a:prstGeom>
+          <a:noFill/>
+        </p:spPr>
+        <p:txBody>
+          <a:bodyPr wrap="square" rtlCol="0">
+            <a:spAutoFit/>
+          </a:bodyPr>
+          <a:lstStyle/>
+          <a:p>
+            <a:pPr marL="285750" indent="-285750">
+              <a:buFont typeface="Wingdings" panose="05000000000000000000" pitchFamily="2" charset="2"/>
+              <a:buChar char="Ø"/>
+            </a:pPr>
+            <a:r>
+              <a:rPr lang="en-US" dirty="0">
+                <a:latin typeface="Comic Sans MS" panose="030F0702030302020204" pitchFamily="66" charset="0"/>
+              </a:rPr>
+              <a:t>Different Clients</a:t>
+            </a:r>
+          </a:p>
+          <a:p>
+            <a:pPr marL="285750" indent="-285750">
+              <a:buFont typeface="Wingdings" panose="05000000000000000000" pitchFamily="2" charset="2"/>
+              <a:buChar char="Ø"/>
+            </a:pPr>
+            <a:r>
+              <a:rPr lang="en-US" dirty="0">
+                <a:latin typeface="Comic Sans MS" panose="030F0702030302020204" pitchFamily="66" charset="0"/>
+              </a:rPr>
+              <a:t>Different authentication process</a:t>
+            </a:r>
+          </a:p>
+          <a:p>
+            <a:pPr marL="285750" indent="-285750">
+              <a:buFont typeface="Wingdings" panose="05000000000000000000" pitchFamily="2" charset="2"/>
+              <a:buChar char="Ø"/>
+            </a:pPr>
+            <a:r>
+              <a:rPr lang="en-US" dirty="0">
+                <a:latin typeface="Comic Sans MS" panose="030F0702030302020204" pitchFamily="66" charset="0"/>
+              </a:rPr>
+              <a:t>Different Packages</a:t>
+            </a:r>
+          </a:p>
+          <a:p>
+            <a:pPr marL="285750" indent="-285750">
+              <a:buFont typeface="Wingdings" panose="05000000000000000000" pitchFamily="2" charset="2"/>
+              <a:buChar char="Ø"/>
+            </a:pPr>
+            <a:r>
+              <a:rPr lang="en-US" dirty="0"/>
+              <a:t>….</a:t>
+            </a:r>
+          </a:p>
+        </p:txBody>
+      </p:sp>
+    </p:spTree>
+    <p:extLst>
+      <p:ext uri="{BB962C8B-B14F-4D97-AF65-F5344CB8AC3E}">
+        <p14:creationId xmlns:p14="http://schemas.microsoft.com/office/powerpoint/2010/main" val="664762562"/>
+      </p:ext>
+    </p:extLst>
+  </p:cSld>
+  <p:clrMapOvr>
+    <a:masterClrMapping/>
+  </p:clrMapOvr>
+</p:sld>
+</file>
+
+<file path=ppt/slides/slide37.xml><?xml version="1.0" encoding="utf-8"?>
+<p:sld xmlns:a="http://schemas.openxmlformats.org/drawingml/2006/main" xmlns:r="http://schemas.openxmlformats.org/officeDocument/2006/relationships" xmlns:p="http://schemas.openxmlformats.org/presentationml/2006/main">
+  <p:cSld>
+    <p:spTree>
+      <p:nvGrpSpPr>
+        <p:cNvPr id="1" name=""/>
+        <p:cNvGrpSpPr/>
+        <p:nvPr/>
+      </p:nvGrpSpPr>
+      <p:grpSpPr>
+        <a:xfrm>
+          <a:off x="0" y="0"/>
+          <a:ext cx="0" cy="0"/>
+          <a:chOff x="0" y="0"/>
+          <a:chExt cx="0" cy="0"/>
+        </a:xfrm>
+      </p:grpSpPr>
+      <p:sp>
+        <p:nvSpPr>
+          <p:cNvPr id="2" name="Title 1">
+            <a:extLst>
+              <a:ext uri="{FF2B5EF4-FFF2-40B4-BE49-F238E27FC236}">
+                <a16:creationId xmlns:a16="http://schemas.microsoft.com/office/drawing/2014/main" id="{3DA48D37-4547-6369-0BD9-F8C9392E8230}"/>
+              </a:ext>
+            </a:extLst>
+          </p:cNvPr>
+          <p:cNvSpPr>
+            <a:spLocks noGrp="1"/>
+          </p:cNvSpPr>
+          <p:nvPr>
+            <p:ph type="title"/>
+          </p:nvPr>
+        </p:nvSpPr>
+        <p:spPr/>
+        <p:txBody>
+          <a:bodyPr>
+            <a:normAutofit fontScale="90000"/>
+          </a:bodyPr>
+          <a:lstStyle/>
+          <a:p>
+            <a:r>
+              <a:rPr lang="en-US" dirty="0"/>
+              <a:t>Storage vs Communication among modules</a:t>
+            </a:r>
+          </a:p>
+        </p:txBody>
+      </p:sp>
+      <p:sp>
+        <p:nvSpPr>
+          <p:cNvPr id="3" name="Text Placeholder 2">
+            <a:extLst>
+              <a:ext uri="{FF2B5EF4-FFF2-40B4-BE49-F238E27FC236}">
+                <a16:creationId xmlns:a16="http://schemas.microsoft.com/office/drawing/2014/main" id="{A0CA9A09-AAA4-5FD4-716B-4D82210E6302}"/>
+              </a:ext>
+            </a:extLst>
+          </p:cNvPr>
+          <p:cNvSpPr>
+            <a:spLocks noGrp="1"/>
+          </p:cNvSpPr>
+          <p:nvPr>
+            <p:ph type="body" idx="1"/>
+          </p:nvPr>
+        </p:nvSpPr>
+        <p:spPr/>
+        <p:txBody>
+          <a:bodyPr/>
+          <a:lstStyle/>
+          <a:p>
+            <a:r>
+              <a:rPr lang="en-US" dirty="0"/>
+              <a:t>Database/Storage: Is used to preserve the data only</a:t>
+            </a:r>
+          </a:p>
+          <a:p>
+            <a:r>
+              <a:rPr lang="en-US" dirty="0"/>
+              <a:t>But </a:t>
+            </a:r>
+            <a:r>
+              <a:rPr lang="en-US" b="1" dirty="0"/>
+              <a:t>Database connection</a:t>
+            </a:r>
+            <a:r>
+              <a:rPr lang="en-US" dirty="0"/>
+              <a:t> ? [Might require Singleton Pattern for single access point to reduce memory usage]</a:t>
+            </a:r>
+          </a:p>
+          <a:p>
+            <a:r>
+              <a:rPr lang="en-US" dirty="0"/>
+              <a:t>How </a:t>
+            </a:r>
+            <a:r>
+              <a:rPr lang="en-US" b="1" dirty="0"/>
+              <a:t>Functions should communicate </a:t>
+            </a:r>
+            <a:r>
+              <a:rPr lang="en-US" dirty="0"/>
+              <a:t>? [Objects -&gt; Application of Abstraction], </a:t>
+            </a:r>
+            <a:r>
+              <a:rPr lang="en-US" dirty="0" err="1"/>
+              <a:t>e.g</a:t>
+            </a:r>
+            <a:r>
+              <a:rPr lang="en-US" dirty="0"/>
+              <a:t>: </a:t>
+            </a:r>
+            <a:r>
+              <a:rPr lang="en-US" dirty="0" err="1"/>
+              <a:t>Bkash</a:t>
+            </a:r>
+            <a:r>
+              <a:rPr lang="en-US" dirty="0"/>
+              <a:t> System, </a:t>
+            </a:r>
+            <a:r>
+              <a:rPr lang="en-US" dirty="0" err="1"/>
+              <a:t>Nagad</a:t>
+            </a:r>
+            <a:r>
+              <a:rPr lang="en-US" dirty="0"/>
+              <a:t> System everything under </a:t>
+            </a:r>
+            <a:r>
+              <a:rPr lang="en-US" dirty="0" err="1"/>
+              <a:t>MobileClient</a:t>
+            </a:r>
+            <a:r>
+              <a:rPr lang="en-US" dirty="0"/>
+              <a:t> System. </a:t>
+            </a:r>
+            <a:r>
+              <a:rPr lang="en-US" i="1" dirty="0"/>
+              <a:t>Objects with their hidden logic will propagate the feature of an application</a:t>
+            </a:r>
+            <a:r>
+              <a:rPr lang="en-US" dirty="0"/>
+              <a:t>. </a:t>
+            </a:r>
+          </a:p>
+          <a:p>
+            <a:r>
+              <a:rPr lang="en-US" dirty="0"/>
+              <a:t>Does any </a:t>
+            </a:r>
+            <a:r>
+              <a:rPr lang="en-US" b="1" dirty="0"/>
+              <a:t>feature corresponds to the specifics of a design pattern</a:t>
+            </a:r>
+            <a:r>
+              <a:rPr lang="en-US" dirty="0"/>
+              <a:t>? If does, apply it. </a:t>
+            </a:r>
+          </a:p>
+          <a:p>
+            <a:r>
+              <a:rPr lang="en-US" dirty="0"/>
+              <a:t>Consider these logics as </a:t>
+            </a:r>
+            <a:r>
+              <a:rPr lang="en-US" b="1" dirty="0"/>
+              <a:t>Algorithms</a:t>
+            </a:r>
+            <a:r>
+              <a:rPr lang="en-US" dirty="0"/>
+              <a:t>: That would vary as per the context.</a:t>
+            </a:r>
+          </a:p>
+          <a:p>
+            <a:endParaRPr lang="en-US" dirty="0"/>
+          </a:p>
+        </p:txBody>
+      </p:sp>
+      <p:sp>
+        <p:nvSpPr>
+          <p:cNvPr id="4" name="Slide Number Placeholder 3">
+            <a:extLst>
+              <a:ext uri="{FF2B5EF4-FFF2-40B4-BE49-F238E27FC236}">
+                <a16:creationId xmlns:a16="http://schemas.microsoft.com/office/drawing/2014/main" id="{296E6AA3-1EAF-DA79-4E19-819BFBA5AF92}"/>
+              </a:ext>
+            </a:extLst>
+          </p:cNvPr>
+          <p:cNvSpPr>
+            <a:spLocks noGrp="1"/>
+          </p:cNvSpPr>
+          <p:nvPr>
+            <p:ph type="sldNum" idx="12"/>
+          </p:nvPr>
+        </p:nvSpPr>
+        <p:spPr/>
+        <p:txBody>
+          <a:bodyPr/>
+          <a:lstStyle/>
+          <a:p>
+            <a:pPr marL="0" lvl="0" indent="0" algn="r" rtl="0">
+              <a:spcBef>
+                <a:spcPts val="0"/>
+              </a:spcBef>
+              <a:spcAft>
+                <a:spcPts val="0"/>
+              </a:spcAft>
+              <a:buNone/>
+            </a:pPr>
+            <a:fld id="{00000000-1234-1234-1234-123412341234}" type="slidenum">
+              <a:rPr lang="en" smtClean="0"/>
+              <a:t>37</a:t>
+            </a:fld>
+            <a:endParaRPr lang="en"/>
+          </a:p>
+        </p:txBody>
+      </p:sp>
+    </p:spTree>
+    <p:extLst>
+      <p:ext uri="{BB962C8B-B14F-4D97-AF65-F5344CB8AC3E}">
+        <p14:creationId xmlns:p14="http://schemas.microsoft.com/office/powerpoint/2010/main" val="1117485470"/>
+      </p:ext>
+    </p:extLst>
+  </p:cSld>
+  <p:clrMapOvr>
+    <a:masterClrMapping/>
+  </p:clrMapOvr>
+</p:sld>
+</file>
+
+<file path=ppt/slides/slide38.xml><?xml version="1.0" encoding="utf-8"?>
+<p:sld xmlns:a="http://schemas.openxmlformats.org/drawingml/2006/main" xmlns:r="http://schemas.openxmlformats.org/officeDocument/2006/relationships" xmlns:p="http://schemas.openxmlformats.org/presentationml/2006/main">
+  <p:cSld>
+    <p:spTree>
+      <p:nvGrpSpPr>
+        <p:cNvPr id="1" name=""/>
+        <p:cNvGrpSpPr/>
+        <p:nvPr/>
+      </p:nvGrpSpPr>
+      <p:grpSpPr>
+        <a:xfrm>
+          <a:off x="0" y="0"/>
+          <a:ext cx="0" cy="0"/>
+          <a:chOff x="0" y="0"/>
+          <a:chExt cx="0" cy="0"/>
+        </a:xfrm>
+      </p:grpSpPr>
+      <p:sp>
+        <p:nvSpPr>
+          <p:cNvPr id="5" name="Title 4">
+            <a:extLst>
+              <a:ext uri="{FF2B5EF4-FFF2-40B4-BE49-F238E27FC236}">
+                <a16:creationId xmlns:a16="http://schemas.microsoft.com/office/drawing/2014/main" id="{547EF001-B5B7-3670-222D-CEB22CD88A82}"/>
+              </a:ext>
+            </a:extLst>
+          </p:cNvPr>
+          <p:cNvSpPr>
+            <a:spLocks noGrp="1"/>
+          </p:cNvSpPr>
+          <p:nvPr>
+            <p:ph type="title"/>
+          </p:nvPr>
+        </p:nvSpPr>
+        <p:spPr/>
+        <p:txBody>
+          <a:bodyPr/>
+          <a:lstStyle/>
+          <a:p>
+            <a:r>
+              <a:rPr lang="en-US"/>
+              <a:t>Thank You</a:t>
+            </a:r>
+          </a:p>
+        </p:txBody>
+      </p:sp>
+      <p:sp>
+        <p:nvSpPr>
+          <p:cNvPr id="4" name="Slide Number Placeholder 3">
+            <a:extLst>
+              <a:ext uri="{FF2B5EF4-FFF2-40B4-BE49-F238E27FC236}">
+                <a16:creationId xmlns:a16="http://schemas.microsoft.com/office/drawing/2014/main" id="{1DC6F916-AD18-2B48-D531-440601D1894A}"/>
+              </a:ext>
+            </a:extLst>
+          </p:cNvPr>
+          <p:cNvSpPr>
+            <a:spLocks noGrp="1"/>
+          </p:cNvSpPr>
+          <p:nvPr>
+            <p:ph type="sldNum" idx="12"/>
+          </p:nvPr>
+        </p:nvSpPr>
+        <p:spPr/>
+        <p:txBody>
+          <a:bodyPr/>
+          <a:lstStyle/>
+          <a:p>
+            <a:pPr marL="0" lvl="0" indent="0" algn="r" rtl="0">
+              <a:spcBef>
+                <a:spcPts val="0"/>
+              </a:spcBef>
+              <a:spcAft>
+                <a:spcPts val="0"/>
+              </a:spcAft>
+              <a:buNone/>
+            </a:pPr>
+            <a:fld id="{00000000-1234-1234-1234-123412341234}" type="slidenum">
+              <a:rPr lang="en" smtClean="0"/>
+              <a:t>38</a:t>
+            </a:fld>
+            <a:endParaRPr lang="en"/>
+          </a:p>
+        </p:txBody>
+      </p:sp>
+    </p:spTree>
+    <p:extLst>
+      <p:ext uri="{BB962C8B-B14F-4D97-AF65-F5344CB8AC3E}">
+        <p14:creationId xmlns:p14="http://schemas.microsoft.com/office/powerpoint/2010/main" val="2091456996"/>
+      </p:ext>
+    </p:extLst>
+  </p:cSld>
+  <p:clrMapOvr>
+    <a:masterClrMapping/>
+  </p:clrMapOvr>
+</p:sld>
+</file>
+
 <file path=ppt/slides/slide4.xml><?xml version="1.0" encoding="utf-8"?>
 <p:sld xmlns:a="http://schemas.openxmlformats.org/drawingml/2006/main" xmlns:r="http://schemas.openxmlformats.org/officeDocument/2006/relationships" xmlns:p="http://schemas.openxmlformats.org/presentationml/2006/main">
   <p:cSld>
